--- a/Artefatos/15. Arquitetura de Negócio para cada Cenário (1).pptx
+++ b/Artefatos/15. Arquitetura de Negócio para cada Cenário (1).pptx
@@ -2930,11 +2930,8 @@
                 </a:solidFill>
                 <a:latin typeface="Calibri"/>
               </a:rPr>
-              <a:t>Controle de vendas</a:t>
+              <a:t>Controle de estoque.</a:t>
             </a:r>
-            <a:endParaRPr lang="en-US" sz="2000" b="0" strike="noStrike" spc="-1" dirty="0">
-              <a:latin typeface="Arial"/>
-            </a:endParaRPr>
           </a:p>
           <a:p>
             <a:pPr marL="343080" indent="-342720">
@@ -2948,26 +2945,78 @@
               <a:buChar char="•"/>
             </a:pPr>
             <a:r>
-              <a:rPr lang="en-US" sz="2000" b="0" strike="noStrike" spc="-1" dirty="0" smtClean="0">
+              <a:rPr lang="en-US" sz="2000" spc="-1" dirty="0" smtClean="0">
                 <a:solidFill>
                   <a:srgbClr val="000000"/>
                 </a:solidFill>
                 <a:latin typeface="Calibri"/>
               </a:rPr>
-              <a:t>Orçamentos</a:t>
+              <a:t>Receber mercadoria</a:t>
             </a:r>
-            <a:r>
-              <a:rPr lang="en-US" sz="2000" spc="-1" dirty="0" smtClean="0">
-                <a:solidFill>
-                  <a:srgbClr val="000000"/>
-                </a:solidFill>
-                <a:latin typeface="Calibri"/>
-              </a:rPr>
-              <a:t>.</a:t>
-            </a:r>
-          </a:p>
-          <a:p>
-            <a:pPr marL="343080" indent="-342720">
+            <a:endParaRPr lang="en-US" sz="2000" b="0" strike="noStrike" spc="-1" dirty="0">
+              <a:latin typeface="Arial"/>
+            </a:endParaRPr>
+          </a:p>
+          <a:p>
+            <a:pPr algn="ctr">
+              <a:lnSpc>
+                <a:spcPct val="100000"/>
+              </a:lnSpc>
+            </a:pPr>
+            <a:endParaRPr lang="en-US" sz="2000" b="0" strike="noStrike" spc="-1" dirty="0">
+              <a:latin typeface="Arial"/>
+            </a:endParaRPr>
+          </a:p>
+        </p:txBody>
+      </p:sp>
+      <p:sp>
+        <p:nvSpPr>
+          <p:cNvPr id="56" name="CustomShape 16"/>
+          <p:cNvSpPr/>
+          <p:nvPr/>
+        </p:nvSpPr>
+        <p:spPr>
+          <a:xfrm>
+            <a:off x="5792400" y="3930556"/>
+            <a:ext cx="2071440" cy="1797410"/>
+          </a:xfrm>
+          <a:prstGeom prst="rect">
+            <a:avLst/>
+          </a:prstGeom>
+          <a:ln>
+            <a:round/>
+          </a:ln>
+        </p:spPr>
+        <p:style>
+          <a:lnRef idx="2">
+            <a:schemeClr val="dk1"/>
+          </a:lnRef>
+          <a:fillRef idx="1">
+            <a:schemeClr val="lt1"/>
+          </a:fillRef>
+          <a:effectRef idx="0">
+            <a:schemeClr val="dk1"/>
+          </a:effectRef>
+          <a:fontRef idx="minor"/>
+        </p:style>
+        <p:txBody>
+          <a:bodyPr lIns="90000" tIns="45000" rIns="90000" bIns="45000" anchor="ctr"/>
+          <a:lstStyle/>
+          <a:p>
+            <a:pPr marL="360">
+              <a:lnSpc>
+                <a:spcPct val="100000"/>
+              </a:lnSpc>
+              <a:buClr>
+                <a:srgbClr val="000000"/>
+              </a:buClr>
+            </a:pPr>
+            <a:endParaRPr lang="en-US" sz="2000" b="0" strike="noStrike" spc="-1" dirty="0">
+              <a:latin typeface="Arial"/>
+            </a:endParaRPr>
+          </a:p>
+          <a:p>
+            <a:pPr marL="285840" indent="-285480">
               <a:lnSpc>
                 <a:spcPct val="100000"/>
               </a:lnSpc>
@@ -2984,11 +3033,29 @@
                 </a:solidFill>
                 <a:latin typeface="Calibri"/>
               </a:rPr>
-              <a:t>Controle de estoque.</a:t>
+              <a:t>Compra de </a:t>
             </a:r>
-          </a:p>
-          <a:p>
-            <a:pPr marL="343080" indent="-342720">
+            <a:r>
+              <a:rPr lang="en-US" sz="2000" b="0" strike="noStrike" spc="-1" dirty="0">
+                <a:solidFill>
+                  <a:srgbClr val="000000"/>
+                </a:solidFill>
+                <a:latin typeface="Calibri"/>
+              </a:rPr>
+              <a:t>produto</a:t>
+            </a:r>
+            <a:r>
+              <a:rPr lang="en-US" sz="2000" b="0" strike="noStrike" spc="-1" dirty="0" smtClean="0">
+                <a:solidFill>
+                  <a:srgbClr val="000000"/>
+                </a:solidFill>
+                <a:latin typeface="Calibri"/>
+              </a:rPr>
+              <a:t>.</a:t>
+            </a:r>
+          </a:p>
+          <a:p>
+            <a:pPr marL="285840" indent="-285480">
               <a:lnSpc>
                 <a:spcPct val="100000"/>
               </a:lnSpc>
@@ -2999,113 +3066,13 @@
               <a:buChar char="•"/>
             </a:pPr>
             <a:r>
-              <a:rPr lang="en-US" sz="2000" spc="-1" dirty="0" smtClean="0">
+              <a:rPr lang="en-US" sz="2000" b="0" strike="noStrike" spc="-1" dirty="0" smtClean="0">
                 <a:solidFill>
                   <a:srgbClr val="000000"/>
                 </a:solidFill>
                 <a:latin typeface="Calibri"/>
               </a:rPr>
-              <a:t>Receber mercadoria</a:t>
-            </a:r>
-            <a:endParaRPr lang="en-US" sz="2000" b="0" strike="noStrike" spc="-1" dirty="0">
-              <a:latin typeface="Arial"/>
-            </a:endParaRPr>
-          </a:p>
-          <a:p>
-            <a:pPr algn="ctr">
-              <a:lnSpc>
-                <a:spcPct val="100000"/>
-              </a:lnSpc>
-            </a:pPr>
-            <a:endParaRPr lang="en-US" sz="2000" b="0" strike="noStrike" spc="-1" dirty="0">
-              <a:latin typeface="Arial"/>
-            </a:endParaRPr>
-          </a:p>
-        </p:txBody>
-      </p:sp>
-      <p:sp>
-        <p:nvSpPr>
-          <p:cNvPr id="56" name="CustomShape 16"/>
-          <p:cNvSpPr/>
-          <p:nvPr/>
-        </p:nvSpPr>
-        <p:spPr>
-          <a:xfrm>
-            <a:off x="5955840" y="4380930"/>
-            <a:ext cx="1908000" cy="1288349"/>
-          </a:xfrm>
-          <a:prstGeom prst="rect">
-            <a:avLst/>
-          </a:prstGeom>
-          <a:ln>
-            <a:round/>
-          </a:ln>
-        </p:spPr>
-        <p:style>
-          <a:lnRef idx="2">
-            <a:schemeClr val="dk1"/>
-          </a:lnRef>
-          <a:fillRef idx="1">
-            <a:schemeClr val="lt1"/>
-          </a:fillRef>
-          <a:effectRef idx="0">
-            <a:schemeClr val="dk1"/>
-          </a:effectRef>
-          <a:fontRef idx="minor"/>
-        </p:style>
-        <p:txBody>
-          <a:bodyPr lIns="90000" tIns="45000" rIns="90000" bIns="45000" anchor="ctr"/>
-          <a:lstStyle/>
-          <a:p>
-            <a:pPr marL="360">
-              <a:lnSpc>
-                <a:spcPct val="100000"/>
-              </a:lnSpc>
-              <a:buClr>
-                <a:srgbClr val="000000"/>
-              </a:buClr>
-            </a:pPr>
-            <a:endParaRPr lang="en-US" sz="1800" b="0" strike="noStrike" spc="-1" dirty="0">
-              <a:latin typeface="Arial"/>
-            </a:endParaRPr>
-          </a:p>
-          <a:p>
-            <a:pPr marL="285840" indent="-285480">
-              <a:lnSpc>
-                <a:spcPct val="100000"/>
-              </a:lnSpc>
-              <a:buClr>
-                <a:srgbClr val="000000"/>
-              </a:buClr>
-              <a:buFont typeface="Arial"/>
-              <a:buChar char="•"/>
-            </a:pPr>
-            <a:r>
-              <a:rPr lang="en-US" sz="1800" b="0" strike="noStrike" spc="-1" dirty="0" smtClean="0">
-                <a:solidFill>
-                  <a:srgbClr val="000000"/>
-                </a:solidFill>
-                <a:latin typeface="Calibri"/>
-              </a:rPr>
-              <a:t>Compra de </a:t>
-            </a:r>
-            <a:r>
-              <a:rPr lang="en-US" sz="1800" b="0" strike="noStrike" spc="-1" dirty="0">
-                <a:solidFill>
-                  <a:srgbClr val="000000"/>
-                </a:solidFill>
-                <a:latin typeface="Calibri"/>
-              </a:rPr>
-              <a:t>produto</a:t>
-            </a:r>
-            <a:r>
-              <a:rPr lang="en-US" sz="1800" b="0" strike="noStrike" spc="-1" dirty="0" smtClean="0">
-                <a:solidFill>
-                  <a:srgbClr val="000000"/>
-                </a:solidFill>
-                <a:latin typeface="Calibri"/>
-              </a:rPr>
-              <a:t>.</a:t>
+              <a:t>Controle de vendas</a:t>
             </a:r>
           </a:p>
           <a:p>
@@ -3857,8 +3824,8 @@
         </p:nvSpPr>
         <p:spPr>
           <a:xfrm>
-            <a:off x="3154320" y="4187520"/>
-            <a:ext cx="1987920" cy="1648080"/>
+            <a:off x="3154320" y="4187519"/>
+            <a:ext cx="1987920" cy="1449005"/>
           </a:xfrm>
           <a:prstGeom prst="rect">
             <a:avLst/>
@@ -3894,88 +3861,19 @@
               <a:buChar char="•"/>
             </a:pPr>
             <a:r>
-              <a:rPr lang="en-US" sz="2000" b="0" strike="noStrike" spc="-1" dirty="0">
+              <a:rPr lang="en-US" sz="2000" b="0" strike="noStrike" spc="-1" dirty="0" smtClean="0">
                 <a:solidFill>
                   <a:srgbClr val="000000"/>
                 </a:solidFill>
                 <a:latin typeface="Calibri"/>
               </a:rPr>
-              <a:t>Registrar </a:t>
-            </a:r>
-            <a:r>
-              <a:rPr lang="en-US" sz="2000" b="0" strike="noStrike" spc="-1" dirty="0" err="1">
-                <a:solidFill>
-                  <a:srgbClr val="000000"/>
-                </a:solidFill>
-                <a:latin typeface="Calibri"/>
-              </a:rPr>
-              <a:t>compra</a:t>
-            </a:r>
-            <a:r>
-              <a:rPr lang="en-US" sz="2000" b="0" strike="noStrike" spc="-1" dirty="0">
-                <a:solidFill>
-                  <a:srgbClr val="000000"/>
-                </a:solidFill>
-                <a:latin typeface="Calibri"/>
-              </a:rPr>
-              <a:t>.</a:t>
+              <a:t>Registrar compra.</a:t>
             </a:r>
             <a:endParaRPr lang="en-US" sz="2000" b="0" strike="noStrike" spc="-1" dirty="0">
               <a:latin typeface="Arial"/>
             </a:endParaRPr>
           </a:p>
           <a:p>
-            <a:pPr marL="285840" indent="-285480">
-              <a:lnSpc>
-                <a:spcPct val="100000"/>
-              </a:lnSpc>
-              <a:buClr>
-                <a:srgbClr val="000000"/>
-              </a:buClr>
-              <a:buFont typeface="Arial"/>
-              <a:buChar char="•"/>
-            </a:pPr>
-            <a:r>
-              <a:rPr lang="en-US" sz="2000" b="0" strike="noStrike" spc="-1" dirty="0" err="1">
-                <a:solidFill>
-                  <a:srgbClr val="000000"/>
-                </a:solidFill>
-                <a:latin typeface="Calibri"/>
-              </a:rPr>
-              <a:t>Verificar</a:t>
-            </a:r>
-            <a:r>
-              <a:rPr lang="en-US" sz="2000" b="0" strike="noStrike" spc="-1" dirty="0">
-                <a:solidFill>
-                  <a:srgbClr val="000000"/>
-                </a:solidFill>
-                <a:latin typeface="Calibri"/>
-              </a:rPr>
-              <a:t> </a:t>
-            </a:r>
-            <a:r>
-              <a:rPr lang="en-US" sz="2000" b="0" strike="noStrike" spc="-1" dirty="0" err="1">
-                <a:solidFill>
-                  <a:srgbClr val="000000"/>
-                </a:solidFill>
-                <a:latin typeface="Calibri"/>
-              </a:rPr>
-              <a:t>variabilidade</a:t>
-            </a:r>
-            <a:r>
-              <a:rPr lang="en-US" sz="2000" b="0" strike="noStrike" spc="-1" dirty="0">
-                <a:solidFill>
-                  <a:srgbClr val="000000"/>
-                </a:solidFill>
-                <a:latin typeface="Calibri"/>
-              </a:rPr>
-              <a:t>.</a:t>
-            </a:r>
-            <a:endParaRPr lang="en-US" sz="2000" b="0" strike="noStrike" spc="-1" dirty="0">
-              <a:latin typeface="Arial"/>
-            </a:endParaRPr>
-          </a:p>
-          <a:p>
             <a:pPr algn="ctr">
               <a:lnSpc>
                 <a:spcPct val="100000"/>
@@ -4018,6 +3916,44 @@
           <a:fontRef idx="minor"/>
         </p:style>
       </p:sp>
+      <p:cxnSp>
+        <p:nvCxnSpPr>
+          <p:cNvPr id="3" name="Conector reto 2"/>
+          <p:cNvCxnSpPr>
+            <a:stCxn id="61" idx="2"/>
+            <a:endCxn id="71" idx="0"/>
+          </p:cNvCxnSpPr>
+          <p:nvPr/>
+        </p:nvCxnSpPr>
+        <p:spPr>
+          <a:xfrm>
+            <a:off x="4139640" y="2903760"/>
+            <a:ext cx="8640" cy="1283759"/>
+          </a:xfrm>
+          <a:prstGeom prst="line">
+            <a:avLst/>
+          </a:prstGeom>
+          <a:ln>
+            <a:solidFill>
+              <a:schemeClr val="tx1"/>
+            </a:solidFill>
+          </a:ln>
+        </p:spPr>
+        <p:style>
+          <a:lnRef idx="1">
+            <a:schemeClr val="accent1"/>
+          </a:lnRef>
+          <a:fillRef idx="0">
+            <a:schemeClr val="accent1"/>
+          </a:fillRef>
+          <a:effectRef idx="0">
+            <a:schemeClr val="accent1"/>
+          </a:effectRef>
+          <a:fontRef idx="minor">
+            <a:schemeClr val="tx1"/>
+          </a:fontRef>
+        </p:style>
+      </p:cxnSp>
     </p:spTree>
   </p:cSld>
   <p:clrMapOvr>
@@ -4685,8 +4621,8 @@
         </p:nvSpPr>
         <p:spPr>
           <a:xfrm>
-            <a:off x="3154320" y="4176000"/>
-            <a:ext cx="2662920" cy="2309400"/>
+            <a:off x="2808180" y="4187923"/>
+            <a:ext cx="2662920" cy="1621397"/>
           </a:xfrm>
           <a:prstGeom prst="rect">
             <a:avLst/>
@@ -4726,7 +4662,7 @@
                 <a:spcPct val="100000"/>
               </a:lnSpc>
             </a:pPr>
-            <a:endParaRPr lang="en-US" sz="1800" b="0" strike="noStrike" spc="-1" dirty="0">
+            <a:endParaRPr lang="en-US" sz="1800" b="0" strike="noStrike" spc="-1" dirty="0" smtClean="0">
               <a:latin typeface="Arial"/>
             </a:endParaRPr>
           </a:p>
@@ -4742,22 +4678,13 @@
               <a:buChar char="•"/>
             </a:pPr>
             <a:r>
-              <a:rPr lang="en-US" sz="1800" b="0" strike="noStrike" spc="-1" dirty="0">
+              <a:rPr lang="en-US" sz="1800" b="0" strike="noStrike" spc="-1" dirty="0" smtClean="0">
                 <a:solidFill>
                   <a:srgbClr val="000000"/>
                 </a:solidFill>
                 <a:latin typeface="Calibri"/>
               </a:rPr>
-              <a:t>Entrada e </a:t>
-            </a:r>
-            <a:r>
-              <a:rPr lang="en-US" sz="1800" b="0" strike="noStrike" spc="-1" dirty="0" err="1">
-                <a:solidFill>
-                  <a:srgbClr val="000000"/>
-                </a:solidFill>
-                <a:latin typeface="Calibri"/>
-              </a:rPr>
-              <a:t>saída</a:t>
+              <a:t>Registrar </a:t>
             </a:r>
             <a:r>
               <a:rPr lang="en-US" sz="1800" b="0" strike="noStrike" spc="-1" dirty="0">
@@ -4766,7 +4693,7 @@
                 </a:solidFill>
                 <a:latin typeface="Calibri"/>
               </a:rPr>
-              <a:t>.</a:t>
+              <a:t>mercadoria.</a:t>
             </a:r>
             <a:endParaRPr lang="en-US" sz="1800" b="0" strike="noStrike" spc="-1" dirty="0">
               <a:latin typeface="Arial"/>
@@ -4790,163 +4717,13 @@
                 </a:solidFill>
                 <a:latin typeface="Calibri"/>
               </a:rPr>
-              <a:t>Registrar mercadoria.</a:t>
+              <a:t>Consultar estoque.</a:t>
             </a:r>
             <a:endParaRPr lang="en-US" sz="1800" b="0" strike="noStrike" spc="-1" dirty="0">
               <a:latin typeface="Arial"/>
             </a:endParaRPr>
           </a:p>
           <a:p>
-            <a:pPr marL="285840" indent="-285480">
-              <a:lnSpc>
-                <a:spcPct val="100000"/>
-              </a:lnSpc>
-              <a:buClr>
-                <a:srgbClr val="000000"/>
-              </a:buClr>
-              <a:buFont typeface="Arial"/>
-              <a:buChar char="•"/>
-            </a:pPr>
-            <a:r>
-              <a:rPr lang="en-US" sz="1800" b="0" strike="noStrike" spc="-1" dirty="0" err="1">
-                <a:solidFill>
-                  <a:srgbClr val="000000"/>
-                </a:solidFill>
-                <a:latin typeface="Calibri"/>
-              </a:rPr>
-              <a:t>Consultar</a:t>
-            </a:r>
-            <a:r>
-              <a:rPr lang="en-US" sz="1800" b="0" strike="noStrike" spc="-1" dirty="0">
-                <a:solidFill>
-                  <a:srgbClr val="000000"/>
-                </a:solidFill>
-                <a:latin typeface="Calibri"/>
-              </a:rPr>
-              <a:t> estoque.</a:t>
-            </a:r>
-            <a:endParaRPr lang="en-US" sz="1800" b="0" strike="noStrike" spc="-1" dirty="0">
-              <a:latin typeface="Arial"/>
-            </a:endParaRPr>
-          </a:p>
-          <a:p>
-            <a:pPr marL="285840" indent="-285480">
-              <a:lnSpc>
-                <a:spcPct val="100000"/>
-              </a:lnSpc>
-              <a:buClr>
-                <a:srgbClr val="000000"/>
-              </a:buClr>
-              <a:buFont typeface="Arial"/>
-              <a:buChar char="•"/>
-            </a:pPr>
-            <a:r>
-              <a:rPr lang="en-US" sz="1800" b="0" strike="noStrike" spc="-1" dirty="0" err="1">
-                <a:solidFill>
-                  <a:srgbClr val="000000"/>
-                </a:solidFill>
-                <a:latin typeface="Calibri"/>
-              </a:rPr>
-              <a:t>Organizar</a:t>
-            </a:r>
-            <a:r>
-              <a:rPr lang="en-US" sz="1800" b="0" strike="noStrike" spc="-1" dirty="0">
-                <a:solidFill>
-                  <a:srgbClr val="000000"/>
-                </a:solidFill>
-                <a:latin typeface="Calibri"/>
-              </a:rPr>
-              <a:t> estoque.</a:t>
-            </a:r>
-            <a:endParaRPr lang="en-US" sz="1800" b="0" strike="noStrike" spc="-1" dirty="0">
-              <a:latin typeface="Arial"/>
-            </a:endParaRPr>
-          </a:p>
-          <a:p>
-            <a:pPr marL="285840" indent="-285480">
-              <a:lnSpc>
-                <a:spcPct val="100000"/>
-              </a:lnSpc>
-              <a:buClr>
-                <a:srgbClr val="000000"/>
-              </a:buClr>
-              <a:buFont typeface="Arial"/>
-              <a:buChar char="•"/>
-            </a:pPr>
-            <a:r>
-              <a:rPr lang="en-US" sz="1800" b="0" strike="noStrike" spc="-1" dirty="0" err="1">
-                <a:solidFill>
-                  <a:srgbClr val="000000"/>
-                </a:solidFill>
-                <a:latin typeface="Calibri"/>
-              </a:rPr>
-              <a:t>Comprar</a:t>
-            </a:r>
-            <a:r>
-              <a:rPr lang="en-US" sz="1800" b="0" strike="noStrike" spc="-1" dirty="0">
-                <a:solidFill>
-                  <a:srgbClr val="000000"/>
-                </a:solidFill>
-                <a:latin typeface="Calibri"/>
-              </a:rPr>
-              <a:t> mercadoria para </a:t>
-            </a:r>
-            <a:r>
-              <a:rPr lang="en-US" sz="1800" b="0" strike="noStrike" spc="-1" dirty="0" err="1">
-                <a:solidFill>
-                  <a:srgbClr val="000000"/>
-                </a:solidFill>
-                <a:latin typeface="Calibri"/>
-              </a:rPr>
-              <a:t>venda</a:t>
-            </a:r>
-            <a:r>
-              <a:rPr lang="en-US" sz="1800" b="0" strike="noStrike" spc="-1" dirty="0">
-                <a:solidFill>
-                  <a:srgbClr val="000000"/>
-                </a:solidFill>
-                <a:latin typeface="Calibri"/>
-              </a:rPr>
-              <a:t>.</a:t>
-            </a:r>
-            <a:endParaRPr lang="en-US" sz="1800" b="0" strike="noStrike" spc="-1" dirty="0">
-              <a:latin typeface="Arial"/>
-            </a:endParaRPr>
-          </a:p>
-          <a:p>
-            <a:pPr marL="285840" indent="-285480">
-              <a:lnSpc>
-                <a:spcPct val="100000"/>
-              </a:lnSpc>
-              <a:buClr>
-                <a:srgbClr val="000000"/>
-              </a:buClr>
-              <a:buFont typeface="Arial"/>
-              <a:buChar char="•"/>
-            </a:pPr>
-            <a:r>
-              <a:rPr lang="en-US" sz="1800" b="0" strike="noStrike" spc="-1" dirty="0" err="1">
-                <a:solidFill>
-                  <a:srgbClr val="000000"/>
-                </a:solidFill>
-                <a:latin typeface="Calibri"/>
-              </a:rPr>
-              <a:t>Movimentação</a:t>
-            </a:r>
-            <a:r>
-              <a:rPr lang="en-US" sz="1800" b="0" strike="noStrike" spc="-1" dirty="0">
-                <a:solidFill>
-                  <a:srgbClr val="000000"/>
-                </a:solidFill>
-                <a:latin typeface="Calibri"/>
-              </a:rPr>
-              <a:t>.</a:t>
-            </a:r>
-            <a:endParaRPr lang="en-US" sz="1800" b="0" strike="noStrike" spc="-1" dirty="0">
-              <a:latin typeface="Arial"/>
-            </a:endParaRPr>
-          </a:p>
-          <a:p>
             <a:pPr algn="ctr">
               <a:lnSpc>
                 <a:spcPct val="100000"/>
@@ -4999,6 +4776,43 @@
           <a:fontRef idx="minor"/>
         </p:style>
       </p:sp>
+      <p:cxnSp>
+        <p:nvCxnSpPr>
+          <p:cNvPr id="3" name="Conector reto 2"/>
+          <p:cNvCxnSpPr>
+            <a:stCxn id="75" idx="2"/>
+          </p:cNvCxnSpPr>
+          <p:nvPr/>
+        </p:nvCxnSpPr>
+        <p:spPr>
+          <a:xfrm flipH="1">
+            <a:off x="4128480" y="2903760"/>
+            <a:ext cx="11160" cy="1272240"/>
+          </a:xfrm>
+          <a:prstGeom prst="line">
+            <a:avLst/>
+          </a:prstGeom>
+          <a:ln>
+            <a:solidFill>
+              <a:schemeClr val="tx1"/>
+            </a:solidFill>
+          </a:ln>
+        </p:spPr>
+        <p:style>
+          <a:lnRef idx="1">
+            <a:schemeClr val="accent1"/>
+          </a:lnRef>
+          <a:fillRef idx="0">
+            <a:schemeClr val="accent1"/>
+          </a:fillRef>
+          <a:effectRef idx="0">
+            <a:schemeClr val="accent1"/>
+          </a:effectRef>
+          <a:fontRef idx="minor">
+            <a:schemeClr val="tx1"/>
+          </a:fontRef>
+        </p:style>
+      </p:cxnSp>
     </p:spTree>
   </p:cSld>
   <p:clrMapOvr>
@@ -6126,15 +5940,15 @@
               </a:lnSpc>
             </a:pPr>
             <a:r>
-              <a:rPr lang="en-US" sz="2000" b="1" strike="noStrike" spc="-1">
+              <a:rPr lang="en-US" sz="2000" b="1" strike="noStrike" spc="-1" dirty="0" err="1" smtClean="0">
                 <a:solidFill>
                   <a:srgbClr val="000000"/>
                 </a:solidFill>
                 <a:latin typeface="Calibri"/>
               </a:rPr>
-              <a:t>Balcão de atendimento </a:t>
+              <a:t>Gerencia</a:t>
             </a:r>
-            <a:endParaRPr lang="en-US" sz="2000" b="0" strike="noStrike" spc="-1">
+            <a:endParaRPr lang="en-US" sz="2000" b="0" strike="noStrike" spc="-1" dirty="0">
               <a:latin typeface="Arial"/>
             </a:endParaRPr>
           </a:p>
@@ -6394,7 +6208,7 @@
               </a:lnSpc>
             </a:pPr>
             <a:r>
-              <a:rPr lang="en-US" sz="1800" b="1" strike="noStrike" spc="-1">
+              <a:rPr lang="en-US" sz="1800" b="1" strike="noStrike" spc="-1" dirty="0" err="1">
                 <a:solidFill>
                   <a:srgbClr val="000000"/>
                 </a:solidFill>
@@ -6402,7 +6216,7 @@
               </a:rPr>
               <a:t>Cliente</a:t>
             </a:r>
-            <a:endParaRPr lang="en-US" sz="1800" b="0" strike="noStrike" spc="-1">
+            <a:endParaRPr lang="en-US" sz="1800" b="0" strike="noStrike" spc="-1" dirty="0">
               <a:latin typeface="Arial"/>
             </a:endParaRPr>
           </a:p>
@@ -6584,8 +6398,8 @@
         </p:nvSpPr>
         <p:spPr>
           <a:xfrm>
-            <a:off x="3154320" y="4286880"/>
-            <a:ext cx="2281680" cy="2088000"/>
+            <a:off x="2975040" y="4544704"/>
+            <a:ext cx="2281680" cy="1146240"/>
           </a:xfrm>
           <a:prstGeom prst="rect">
             <a:avLst/>
@@ -6610,22 +6424,15 @@
           <a:bodyPr lIns="90000" tIns="45000" rIns="90000" bIns="45000" anchor="ctr"/>
           <a:lstStyle/>
           <a:p>
-            <a:pPr algn="ctr">
-              <a:lnSpc>
-                <a:spcPct val="100000"/>
-              </a:lnSpc>
-            </a:pPr>
-            <a:endParaRPr lang="en-US" sz="1800" b="0" strike="noStrike" spc="-1" dirty="0">
-              <a:latin typeface="Arial"/>
-            </a:endParaRPr>
-          </a:p>
-          <a:p>
-            <a:pPr algn="ctr">
-              <a:lnSpc>
-                <a:spcPct val="100000"/>
-              </a:lnSpc>
-            </a:pPr>
-            <a:endParaRPr lang="en-US" sz="1800" b="0" strike="noStrike" spc="-1" dirty="0">
+            <a:pPr marL="360">
+              <a:lnSpc>
+                <a:spcPct val="100000"/>
+              </a:lnSpc>
+              <a:buClr>
+                <a:srgbClr val="000000"/>
+              </a:buClr>
+            </a:pPr>
+            <a:endParaRPr lang="en-US" sz="1800" b="0" strike="noStrike" spc="-1" dirty="0" smtClean="0">
               <a:latin typeface="Arial"/>
             </a:endParaRPr>
           </a:p>
@@ -6641,253 +6448,15 @@
               <a:buChar char="•"/>
             </a:pPr>
             <a:r>
-              <a:rPr lang="en-US" sz="1800" b="0" strike="noStrike" spc="-1" dirty="0" err="1">
+              <a:rPr lang="en-US" sz="1800" b="0" strike="noStrike" spc="-1" dirty="0" smtClean="0">
                 <a:solidFill>
                   <a:srgbClr val="000000"/>
                 </a:solidFill>
                 <a:latin typeface="Calibri"/>
               </a:rPr>
-              <a:t>Verificar</a:t>
+              <a:t>Verificar vendas</a:t>
             </a:r>
-            <a:r>
-              <a:rPr lang="en-US" sz="1800" b="0" strike="noStrike" spc="-1" dirty="0">
-                <a:solidFill>
-                  <a:srgbClr val="000000"/>
-                </a:solidFill>
-                <a:latin typeface="Calibri"/>
-              </a:rPr>
-              <a:t> produto.</a:t>
-            </a:r>
-            <a:endParaRPr lang="en-US" sz="1800" b="0" strike="noStrike" spc="-1" dirty="0">
-              <a:latin typeface="Arial"/>
-            </a:endParaRPr>
-          </a:p>
-          <a:p>
-            <a:pPr marL="285840" indent="-285480">
-              <a:lnSpc>
-                <a:spcPct val="100000"/>
-              </a:lnSpc>
-              <a:buClr>
-                <a:srgbClr val="000000"/>
-              </a:buClr>
-              <a:buFont typeface="Arial"/>
-              <a:buChar char="•"/>
-            </a:pPr>
-            <a:r>
-              <a:rPr lang="en-US" sz="1800" b="0" strike="noStrike" spc="-1" dirty="0" err="1">
-                <a:solidFill>
-                  <a:srgbClr val="000000"/>
-                </a:solidFill>
-                <a:latin typeface="Calibri"/>
-              </a:rPr>
-              <a:t>Verificar</a:t>
-            </a:r>
-            <a:r>
-              <a:rPr lang="en-US" sz="1800" b="0" strike="noStrike" spc="-1" dirty="0">
-                <a:solidFill>
-                  <a:srgbClr val="000000"/>
-                </a:solidFill>
-                <a:latin typeface="Calibri"/>
-              </a:rPr>
-              <a:t> </a:t>
-            </a:r>
-            <a:r>
-              <a:rPr lang="en-US" sz="1800" b="0" strike="noStrike" spc="-1" dirty="0" err="1">
-                <a:solidFill>
-                  <a:srgbClr val="000000"/>
-                </a:solidFill>
-                <a:latin typeface="Calibri"/>
-              </a:rPr>
-              <a:t>venda</a:t>
-            </a:r>
-            <a:r>
-              <a:rPr lang="en-US" sz="1800" b="0" strike="noStrike" spc="-1" dirty="0">
-                <a:solidFill>
-                  <a:srgbClr val="000000"/>
-                </a:solidFill>
-                <a:latin typeface="Calibri"/>
-              </a:rPr>
-              <a:t>.</a:t>
-            </a:r>
-            <a:endParaRPr lang="en-US" sz="1800" b="0" strike="noStrike" spc="-1" dirty="0">
-              <a:latin typeface="Arial"/>
-            </a:endParaRPr>
-          </a:p>
-          <a:p>
-            <a:pPr marL="285840" indent="-285480">
-              <a:lnSpc>
-                <a:spcPct val="100000"/>
-              </a:lnSpc>
-              <a:buClr>
-                <a:srgbClr val="000000"/>
-              </a:buClr>
-              <a:buFont typeface="Arial"/>
-              <a:buChar char="•"/>
-            </a:pPr>
-            <a:r>
-              <a:rPr lang="en-US" sz="1800" b="0" strike="noStrike" spc="-1" dirty="0" err="1">
-                <a:solidFill>
-                  <a:srgbClr val="000000"/>
-                </a:solidFill>
-                <a:latin typeface="Calibri"/>
-              </a:rPr>
-              <a:t>Verifica</a:t>
-            </a:r>
-            <a:r>
-              <a:rPr lang="en-US" sz="1800" b="0" strike="noStrike" spc="-1" dirty="0">
-                <a:solidFill>
-                  <a:srgbClr val="000000"/>
-                </a:solidFill>
-                <a:latin typeface="Calibri"/>
-              </a:rPr>
-              <a:t> estoque.</a:t>
-            </a:r>
-            <a:endParaRPr lang="en-US" sz="1800" b="0" strike="noStrike" spc="-1" dirty="0">
-              <a:latin typeface="Arial"/>
-            </a:endParaRPr>
-          </a:p>
-          <a:p>
-            <a:pPr marL="285840" indent="-285480">
-              <a:lnSpc>
-                <a:spcPct val="100000"/>
-              </a:lnSpc>
-              <a:buClr>
-                <a:srgbClr val="000000"/>
-              </a:buClr>
-              <a:buFont typeface="Arial"/>
-              <a:buChar char="•"/>
-            </a:pPr>
-            <a:r>
-              <a:rPr lang="en-US" sz="1800" b="0" strike="noStrike" spc="-1" dirty="0" err="1">
-                <a:solidFill>
-                  <a:srgbClr val="000000"/>
-                </a:solidFill>
-                <a:latin typeface="Calibri"/>
-              </a:rPr>
-              <a:t>Verifica</a:t>
-            </a:r>
-            <a:r>
-              <a:rPr lang="en-US" sz="1800" b="0" strike="noStrike" spc="-1" dirty="0">
-                <a:solidFill>
-                  <a:srgbClr val="000000"/>
-                </a:solidFill>
-                <a:latin typeface="Calibri"/>
-              </a:rPr>
-              <a:t> </a:t>
-            </a:r>
-            <a:r>
-              <a:rPr lang="en-US" sz="1800" b="0" strike="noStrike" spc="-1" dirty="0" err="1">
-                <a:solidFill>
-                  <a:srgbClr val="000000"/>
-                </a:solidFill>
-                <a:latin typeface="Calibri"/>
-              </a:rPr>
-              <a:t>pedido</a:t>
-            </a:r>
-            <a:r>
-              <a:rPr lang="en-US" sz="1800" b="0" strike="noStrike" spc="-1" dirty="0">
-                <a:solidFill>
-                  <a:srgbClr val="000000"/>
-                </a:solidFill>
-                <a:latin typeface="Calibri"/>
-              </a:rPr>
-              <a:t>.</a:t>
-            </a:r>
-            <a:endParaRPr lang="en-US" sz="1800" b="0" strike="noStrike" spc="-1" dirty="0">
-              <a:latin typeface="Arial"/>
-            </a:endParaRPr>
-          </a:p>
-          <a:p>
-            <a:pPr marL="285840" indent="-285480">
-              <a:lnSpc>
-                <a:spcPct val="100000"/>
-              </a:lnSpc>
-              <a:buClr>
-                <a:srgbClr val="000000"/>
-              </a:buClr>
-              <a:buFont typeface="Arial"/>
-              <a:buChar char="•"/>
-            </a:pPr>
-            <a:r>
-              <a:rPr lang="en-US" sz="1800" b="0" strike="noStrike" spc="-1" dirty="0" err="1">
-                <a:solidFill>
-                  <a:srgbClr val="000000"/>
-                </a:solidFill>
-                <a:latin typeface="Calibri"/>
-              </a:rPr>
-              <a:t>Imprimir</a:t>
-            </a:r>
-            <a:r>
-              <a:rPr lang="en-US" sz="1800" b="0" strike="noStrike" spc="-1" dirty="0">
-                <a:solidFill>
-                  <a:srgbClr val="000000"/>
-                </a:solidFill>
-                <a:latin typeface="Calibri"/>
-              </a:rPr>
-              <a:t> nota fiscal.</a:t>
-            </a:r>
-            <a:endParaRPr lang="en-US" sz="1800" b="0" strike="noStrike" spc="-1" dirty="0">
-              <a:latin typeface="Arial"/>
-            </a:endParaRPr>
-          </a:p>
-          <a:p>
-            <a:pPr marL="285840" indent="-285480">
-              <a:lnSpc>
-                <a:spcPct val="100000"/>
-              </a:lnSpc>
-              <a:buClr>
-                <a:srgbClr val="000000"/>
-              </a:buClr>
-              <a:buFont typeface="Arial"/>
-              <a:buChar char="•"/>
-            </a:pPr>
-            <a:r>
-              <a:rPr lang="en-US" sz="1800" b="0" strike="noStrike" spc="-1" dirty="0" err="1">
-                <a:solidFill>
-                  <a:srgbClr val="000000"/>
-                </a:solidFill>
-                <a:latin typeface="Calibri"/>
-              </a:rPr>
-              <a:t>Efetuar</a:t>
-            </a:r>
-            <a:r>
-              <a:rPr lang="en-US" sz="1800" b="0" strike="noStrike" spc="-1" dirty="0">
-                <a:solidFill>
-                  <a:srgbClr val="000000"/>
-                </a:solidFill>
-                <a:latin typeface="Calibri"/>
-              </a:rPr>
-              <a:t> </a:t>
-            </a:r>
-            <a:r>
-              <a:rPr lang="en-US" sz="1800" b="0" strike="noStrike" spc="-1" dirty="0" err="1">
-                <a:solidFill>
-                  <a:srgbClr val="000000"/>
-                </a:solidFill>
-                <a:latin typeface="Calibri"/>
-              </a:rPr>
-              <a:t>venda</a:t>
-            </a:r>
-            <a:r>
-              <a:rPr lang="en-US" sz="1800" b="0" strike="noStrike" spc="-1" dirty="0">
-                <a:solidFill>
-                  <a:srgbClr val="000000"/>
-                </a:solidFill>
-                <a:latin typeface="Calibri"/>
-              </a:rPr>
-              <a:t>.</a:t>
-            </a:r>
-            <a:endParaRPr lang="en-US" sz="1800" b="0" strike="noStrike" spc="-1" dirty="0">
-              <a:latin typeface="Arial"/>
-            </a:endParaRPr>
-          </a:p>
-          <a:p>
-            <a:pPr algn="ctr">
-              <a:lnSpc>
-                <a:spcPct val="100000"/>
-              </a:lnSpc>
-            </a:pPr>
-            <a:endParaRPr lang="en-US" sz="1800" b="0" strike="noStrike" spc="-1" dirty="0">
+            <a:endParaRPr lang="en-US" sz="1800" b="0" strike="noStrike" spc="-1" dirty="0" smtClean="0">
               <a:latin typeface="Arial"/>
             </a:endParaRPr>
           </a:p>
@@ -6934,6 +6503,43 @@
           <a:fontRef idx="minor"/>
         </p:style>
       </p:sp>
+      <p:cxnSp>
+        <p:nvCxnSpPr>
+          <p:cNvPr id="3" name="Conector reto 2"/>
+          <p:cNvCxnSpPr>
+            <a:stCxn id="104" idx="2"/>
+          </p:cNvCxnSpPr>
+          <p:nvPr/>
+        </p:nvCxnSpPr>
+        <p:spPr>
+          <a:xfrm flipH="1">
+            <a:off x="4128480" y="2903760"/>
+            <a:ext cx="11160" cy="1640944"/>
+          </a:xfrm>
+          <a:prstGeom prst="line">
+            <a:avLst/>
+          </a:prstGeom>
+          <a:ln>
+            <a:solidFill>
+              <a:schemeClr val="tx1"/>
+            </a:solidFill>
+          </a:ln>
+        </p:spPr>
+        <p:style>
+          <a:lnRef idx="1">
+            <a:schemeClr val="accent1"/>
+          </a:lnRef>
+          <a:fillRef idx="0">
+            <a:schemeClr val="accent1"/>
+          </a:fillRef>
+          <a:effectRef idx="0">
+            <a:schemeClr val="accent1"/>
+          </a:effectRef>
+          <a:fontRef idx="minor">
+            <a:schemeClr val="tx1"/>
+          </a:fontRef>
+        </p:style>
+      </p:cxnSp>
     </p:spTree>
   </p:cSld>
   <p:clrMapOvr>
@@ -7092,15 +6698,42 @@
               <a:buChar char="•"/>
             </a:pPr>
             <a:r>
-              <a:rPr lang="en-US" sz="1800" b="0" strike="noStrike" spc="-1">
+              <a:rPr lang="en-US" sz="1800" b="0" strike="noStrike" spc="-1" dirty="0" err="1">
                 <a:solidFill>
                   <a:srgbClr val="000000"/>
                 </a:solidFill>
                 <a:latin typeface="Calibri"/>
               </a:rPr>
-              <a:t>João Vitor Alves Marangoni – 1900946</a:t>
+              <a:t>João</a:t>
             </a:r>
-            <a:endParaRPr lang="en-US" sz="1800" b="0" strike="noStrike" spc="-1">
+            <a:r>
+              <a:rPr lang="en-US" sz="1800" b="0" strike="noStrike" spc="-1" dirty="0">
+                <a:solidFill>
+                  <a:srgbClr val="000000"/>
+                </a:solidFill>
+                <a:latin typeface="Calibri"/>
+              </a:rPr>
+              <a:t> </a:t>
+            </a:r>
+            <a:r>
+              <a:rPr lang="en-US" sz="1800" b="0" strike="noStrike" spc="-1" dirty="0" err="1">
+                <a:solidFill>
+                  <a:srgbClr val="000000"/>
+                </a:solidFill>
+                <a:latin typeface="Calibri"/>
+              </a:rPr>
+              <a:t>Vitor</a:t>
+            </a:r>
+            <a:r>
+              <a:rPr lang="en-US" sz="1800" b="0" strike="noStrike" spc="-1" dirty="0">
+                <a:solidFill>
+                  <a:srgbClr val="000000"/>
+                </a:solidFill>
+                <a:latin typeface="Calibri"/>
+              </a:rPr>
+              <a:t> Alves Marangoni – 1900946</a:t>
+            </a:r>
+            <a:endParaRPr lang="en-US" sz="1800" b="0" strike="noStrike" spc="-1" dirty="0">
               <a:latin typeface="Arial"/>
             </a:endParaRPr>
           </a:p>
@@ -7116,7 +6749,7 @@
               <a:buChar char="•"/>
             </a:pPr>
             <a:r>
-              <a:rPr lang="en-US" sz="1800" b="0" strike="noStrike" spc="-1">
+              <a:rPr lang="en-US" sz="1800" b="0" strike="noStrike" spc="-1" dirty="0">
                 <a:solidFill>
                   <a:srgbClr val="000000"/>
                 </a:solidFill>
@@ -7124,7 +6757,7 @@
               </a:rPr>
               <a:t>Lucas Alves de Jesus Silva – 1901120</a:t>
             </a:r>
-            <a:endParaRPr lang="en-US" sz="1800" b="0" strike="noStrike" spc="-1">
+            <a:endParaRPr lang="en-US" sz="1800" b="0" strike="noStrike" spc="-1" dirty="0">
               <a:latin typeface="Arial"/>
             </a:endParaRPr>
           </a:p>
@@ -7140,7 +6773,7 @@
               <a:buChar char="•"/>
             </a:pPr>
             <a:r>
-              <a:rPr lang="en-US" sz="1800" b="0" strike="noStrike" spc="-1">
+              <a:rPr lang="en-US" sz="1800" b="0" strike="noStrike" spc="-1" dirty="0">
                 <a:solidFill>
                   <a:srgbClr val="000000"/>
                 </a:solidFill>
@@ -7148,7 +6781,7 @@
               </a:rPr>
               <a:t>Luiz Henrique Souza de França – 1802364</a:t>
             </a:r>
-            <a:endParaRPr lang="en-US" sz="1800" b="0" strike="noStrike" spc="-1">
+            <a:endParaRPr lang="en-US" sz="1800" b="0" strike="noStrike" spc="-1" dirty="0">
               <a:latin typeface="Arial"/>
             </a:endParaRPr>
           </a:p>
@@ -7164,15 +6797,24 @@
               <a:buChar char="•"/>
             </a:pPr>
             <a:r>
-              <a:rPr lang="en-US" sz="1800" b="0" strike="noStrike" spc="-1">
+              <a:rPr lang="en-US" sz="1800" b="0" strike="noStrike" spc="-1" dirty="0" err="1">
                 <a:solidFill>
                   <a:srgbClr val="000000"/>
                 </a:solidFill>
                 <a:latin typeface="Calibri"/>
               </a:rPr>
-              <a:t>Maikon Silva Muniz – 1901175</a:t>
+              <a:t>Maikon</a:t>
             </a:r>
-            <a:endParaRPr lang="en-US" sz="1800" b="0" strike="noStrike" spc="-1">
+            <a:r>
+              <a:rPr lang="en-US" sz="1800" b="0" strike="noStrike" spc="-1" dirty="0">
+                <a:solidFill>
+                  <a:srgbClr val="000000"/>
+                </a:solidFill>
+                <a:latin typeface="Calibri"/>
+              </a:rPr>
+              <a:t> Silva Muniz – 1901175</a:t>
+            </a:r>
+            <a:endParaRPr lang="en-US" sz="1800" b="0" strike="noStrike" spc="-1" dirty="0">
               <a:latin typeface="Arial"/>
             </a:endParaRPr>
           </a:p>
@@ -7188,15 +6830,24 @@
               <a:buChar char="•"/>
             </a:pPr>
             <a:r>
-              <a:rPr lang="en-US" sz="1800" b="0" strike="noStrike" spc="-1">
+              <a:rPr lang="en-US" sz="1800" b="0" strike="noStrike" spc="-1" dirty="0">
                 <a:solidFill>
                   <a:srgbClr val="000000"/>
                 </a:solidFill>
                 <a:latin typeface="Calibri"/>
               </a:rPr>
-              <a:t>Thiago Bruno da Silva Alexandre - 1926769</a:t>
+              <a:t>Thiago Bruno da Silva Alexandre - </a:t>
             </a:r>
-            <a:endParaRPr lang="en-US" sz="1800" b="0" strike="noStrike" spc="-1">
+            <a:r>
+              <a:rPr lang="en-US" sz="1800" b="0" strike="noStrike" spc="-1" dirty="0" smtClean="0">
+                <a:solidFill>
+                  <a:srgbClr val="000000"/>
+                </a:solidFill>
+                <a:latin typeface="Calibri"/>
+              </a:rPr>
+              <a:t>1902669</a:t>
+            </a:r>
+            <a:endParaRPr lang="en-US" sz="1800" b="0" strike="noStrike" spc="-1" dirty="0">
               <a:latin typeface="Arial"/>
             </a:endParaRPr>
           </a:p>
